--- a/연습하세요.pptx
+++ b/연습하세요.pptx
@@ -5986,6 +5986,294 @@
               <a:t>.</a:t>
             </a:r>
             <a:endParaRPr lang="ko-KR" altLang="en-US" dirty="0"/>
+          </a:p>
+        </p:txBody>
+      </p:sp>
+      <p:sp>
+        <p:nvSpPr>
+          <p:cNvPr id="2" name="직사각형 1"/>
+          <p:cNvSpPr/>
+          <p:nvPr/>
+        </p:nvSpPr>
+        <p:spPr>
+          <a:xfrm>
+            <a:off x="353554" y="4579035"/>
+            <a:ext cx="10365246" cy="1754326"/>
+          </a:xfrm>
+          <a:prstGeom prst="rect">
+            <a:avLst/>
+          </a:prstGeom>
+          <a:ln w="12700">
+            <a:solidFill>
+              <a:schemeClr val="tx1"/>
+            </a:solidFill>
+          </a:ln>
+        </p:spPr>
+        <p:txBody>
+          <a:bodyPr wrap="square">
+            <a:spAutoFit/>
+          </a:bodyPr>
+          <a:lstStyle/>
+          <a:p>
+            <a:r>
+              <a:rPr lang="ko-KR" altLang="en-US" dirty="0" err="1"/>
+              <a:t>this</a:t>
+            </a:r>
+            <a:r>
+              <a:rPr lang="ko-KR" altLang="en-US" dirty="0"/>
+              <a:t> </a:t>
+            </a:r>
+            <a:r>
+              <a:rPr lang="ko-KR" altLang="en-US" dirty="0" err="1"/>
+              <a:t>application</a:t>
+            </a:r>
+            <a:r>
+              <a:rPr lang="ko-KR" altLang="en-US" dirty="0"/>
+              <a:t> </a:t>
+            </a:r>
+            <a:r>
+              <a:rPr lang="ko-KR" altLang="en-US" dirty="0" err="1"/>
+              <a:t>failed</a:t>
+            </a:r>
+            <a:r>
+              <a:rPr lang="ko-KR" altLang="en-US" dirty="0"/>
+              <a:t> </a:t>
+            </a:r>
+            <a:r>
+              <a:rPr lang="ko-KR" altLang="en-US" dirty="0" err="1"/>
+              <a:t>to</a:t>
+            </a:r>
+            <a:r>
+              <a:rPr lang="ko-KR" altLang="en-US" dirty="0"/>
+              <a:t> </a:t>
+            </a:r>
+            <a:r>
+              <a:rPr lang="ko-KR" altLang="en-US" dirty="0" err="1"/>
+              <a:t>start</a:t>
+            </a:r>
+            <a:r>
+              <a:rPr lang="ko-KR" altLang="en-US" dirty="0"/>
+              <a:t> </a:t>
+            </a:r>
+            <a:r>
+              <a:rPr lang="ko-KR" altLang="en-US" dirty="0" err="1"/>
+              <a:t>because</a:t>
+            </a:r>
+            <a:r>
+              <a:rPr lang="ko-KR" altLang="en-US" dirty="0"/>
+              <a:t> </a:t>
+            </a:r>
+            <a:r>
+              <a:rPr lang="ko-KR" altLang="en-US" dirty="0" err="1"/>
+              <a:t>no</a:t>
+            </a:r>
+            <a:r>
+              <a:rPr lang="ko-KR" altLang="en-US" dirty="0"/>
+              <a:t> </a:t>
+            </a:r>
+            <a:r>
+              <a:rPr lang="ko-KR" altLang="en-US" dirty="0" err="1"/>
+              <a:t>qt</a:t>
+            </a:r>
+            <a:r>
+              <a:rPr lang="ko-KR" altLang="en-US" dirty="0"/>
+              <a:t> </a:t>
+            </a:r>
+            <a:r>
+              <a:rPr lang="ko-KR" altLang="en-US" dirty="0" err="1"/>
+              <a:t>platform</a:t>
+            </a:r>
+            <a:r>
+              <a:rPr lang="ko-KR" altLang="en-US" dirty="0"/>
+              <a:t> </a:t>
+            </a:r>
+            <a:r>
+              <a:rPr lang="ko-KR" altLang="en-US" dirty="0" err="1"/>
+              <a:t>plugin</a:t>
+            </a:r>
+            <a:r>
+              <a:rPr lang="ko-KR" altLang="en-US" dirty="0"/>
+              <a:t> </a:t>
+            </a:r>
+            <a:r>
+              <a:rPr lang="ko-KR" altLang="en-US" dirty="0" err="1"/>
+              <a:t>could</a:t>
+            </a:r>
+            <a:r>
+              <a:rPr lang="ko-KR" altLang="en-US" dirty="0"/>
+              <a:t> </a:t>
+            </a:r>
+            <a:r>
+              <a:rPr lang="ko-KR" altLang="en-US" dirty="0" err="1"/>
+              <a:t>be</a:t>
+            </a:r>
+            <a:r>
+              <a:rPr lang="ko-KR" altLang="en-US" dirty="0"/>
+              <a:t> </a:t>
+            </a:r>
+            <a:r>
+              <a:rPr lang="ko-KR" altLang="en-US" dirty="0" err="1" smtClean="0"/>
+              <a:t>initialized</a:t>
+            </a:r>
+            <a:r>
+              <a:rPr lang="ko-KR" altLang="en-US" dirty="0" smtClean="0"/>
+              <a:t> </a:t>
+            </a:r>
+            <a:r>
+              <a:rPr lang="en-US" altLang="ko-KR" dirty="0" smtClean="0"/>
+              <a:t>– </a:t>
+            </a:r>
+            <a:r>
+              <a:rPr lang="ko-KR" altLang="en-US" dirty="0" smtClean="0"/>
+              <a:t>에러 발생 시</a:t>
+            </a:r>
+            <a:endParaRPr lang="en-US" altLang="ko-KR" dirty="0" smtClean="0"/>
+          </a:p>
+          <a:p>
+            <a:endParaRPr lang="en-US" altLang="ko-KR" dirty="0"/>
+          </a:p>
+          <a:p>
+            <a:r>
+              <a:rPr lang="en-US" altLang="ko-KR" dirty="0" smtClean="0">
+                <a:sym typeface="Wingdings" panose="05000000000000000000" pitchFamily="2" charset="2"/>
+              </a:rPr>
+              <a:t></a:t>
+            </a:r>
+            <a:r>
+              <a:rPr lang="en-US" altLang="ko-KR" dirty="0"/>
+              <a:t>1. </a:t>
+            </a:r>
+            <a:r>
+              <a:rPr lang="ko-KR" altLang="en-US" dirty="0"/>
+              <a:t>제어판</a:t>
+            </a:r>
+            <a:r>
+              <a:rPr lang="en-US" altLang="ko-KR" dirty="0"/>
+              <a:t>&gt;</a:t>
+            </a:r>
+            <a:r>
+              <a:rPr lang="ko-KR" altLang="en-US" dirty="0"/>
+              <a:t>시스템</a:t>
+            </a:r>
+            <a:r>
+              <a:rPr lang="en-US" altLang="ko-KR" dirty="0"/>
+              <a:t>&gt;</a:t>
+            </a:r>
+            <a:r>
+              <a:rPr lang="ko-KR" altLang="en-US" dirty="0"/>
+              <a:t>고급 시스템 설정</a:t>
+            </a:r>
+            <a:r>
+              <a:rPr lang="en-US" altLang="ko-KR" dirty="0"/>
+              <a:t>&gt;</a:t>
+            </a:r>
+            <a:r>
+              <a:rPr lang="ko-KR" altLang="en-US" dirty="0"/>
+              <a:t>고급</a:t>
+            </a:r>
+            <a:r>
+              <a:rPr lang="en-US" altLang="ko-KR" dirty="0"/>
+              <a:t>&gt;</a:t>
+            </a:r>
+            <a:r>
+              <a:rPr lang="ko-KR" altLang="en-US" dirty="0"/>
+              <a:t>환경변수 에 들어간다</a:t>
+            </a:r>
+            <a:r>
+              <a:rPr lang="en-US" altLang="ko-KR" dirty="0"/>
+              <a:t>.</a:t>
+            </a:r>
+          </a:p>
+          <a:p>
+            <a:r>
+              <a:rPr lang="en-US" altLang="ko-KR" dirty="0"/>
+              <a:t>2. </a:t>
+            </a:r>
+            <a:r>
+              <a:rPr lang="ko-KR" altLang="en-US" dirty="0"/>
+              <a:t>시스템 변수 란에 새로운 환경변수를 생성한다</a:t>
+            </a:r>
+            <a:r>
+              <a:rPr lang="en-US" altLang="ko-KR" dirty="0"/>
+              <a:t>.</a:t>
+            </a:r>
+          </a:p>
+          <a:p>
+            <a:r>
+              <a:rPr lang="en-US" altLang="ko-KR" dirty="0"/>
+              <a:t>3. </a:t>
+            </a:r>
+            <a:r>
+              <a:rPr lang="ko-KR" altLang="en-US" dirty="0"/>
+              <a:t>새 </a:t>
+            </a:r>
+            <a:r>
+              <a:rPr lang="ko-KR" altLang="en-US" dirty="0" err="1"/>
+              <a:t>환경변수의</a:t>
+            </a:r>
+            <a:r>
+              <a:rPr lang="ko-KR" altLang="en-US" dirty="0"/>
+              <a:t> 이름은 </a:t>
+            </a:r>
+            <a:r>
+              <a:rPr lang="en-US" altLang="ko-KR" dirty="0"/>
+              <a:t>QT_QPA_PLATFORM_PLUGIN_PATH</a:t>
+            </a:r>
+            <a:r>
+              <a:rPr lang="ko-KR" altLang="en-US" dirty="0"/>
+              <a:t> 이고</a:t>
+            </a:r>
+            <a:r>
+              <a:rPr lang="en-US" altLang="ko-KR" dirty="0"/>
+              <a:t>, </a:t>
+            </a:r>
+          </a:p>
+          <a:p>
+            <a:r>
+              <a:rPr lang="en-US" altLang="ko-KR" dirty="0"/>
+              <a:t>   </a:t>
+            </a:r>
+            <a:r>
+              <a:rPr lang="ko-KR" altLang="en-US" dirty="0"/>
+              <a:t>내용은 </a:t>
+            </a:r>
+            <a:r>
+              <a:rPr lang="en-US" altLang="ko-KR" dirty="0"/>
+              <a:t>(</a:t>
+            </a:r>
+            <a:r>
+              <a:rPr lang="ko-KR" altLang="en-US" dirty="0" err="1"/>
+              <a:t>파이썬</a:t>
+            </a:r>
+            <a:r>
+              <a:rPr lang="en-US" altLang="ko-KR" dirty="0"/>
+              <a:t>3</a:t>
+            </a:r>
+            <a:r>
+              <a:rPr lang="ko-KR" altLang="en-US" dirty="0"/>
+              <a:t>이 설치되어있는 경로</a:t>
+            </a:r>
+            <a:r>
+              <a:rPr lang="en-US" altLang="ko-KR" dirty="0"/>
+              <a:t>)\Lib\site-packages\PyQt5\</a:t>
+            </a:r>
+            <a:r>
+              <a:rPr lang="en-US" altLang="ko-KR" dirty="0" err="1"/>
+              <a:t>Qt</a:t>
+            </a:r>
+            <a:r>
+              <a:rPr lang="en-US" altLang="ko-KR" dirty="0"/>
+              <a:t>\plugins\platforms</a:t>
+            </a:r>
+            <a:r>
+              <a:rPr lang="ko-KR" altLang="en-US" dirty="0"/>
+              <a:t> 이다</a:t>
+            </a:r>
+            <a:r>
+              <a:rPr lang="en-US" altLang="ko-KR" dirty="0" smtClean="0"/>
+              <a:t>.</a:t>
+            </a:r>
+            <a:endParaRPr lang="en-US" altLang="ko-KR" dirty="0"/>
           </a:p>
         </p:txBody>
       </p:sp>

--- a/연습하세요.pptx
+++ b/연습하세요.pptx
@@ -5,7 +5,7 @@
     <p:sldMasterId id="2147483648" r:id="rId1"/>
   </p:sldMasterIdLst>
   <p:notesMasterIdLst>
-    <p:notesMasterId r:id="rId19"/>
+    <p:notesMasterId r:id="rId20"/>
   </p:notesMasterIdLst>
   <p:sldIdLst>
     <p:sldId id="259" r:id="rId2"/>
@@ -24,7 +24,8 @@
     <p:sldId id="273" r:id="rId15"/>
     <p:sldId id="274" r:id="rId16"/>
     <p:sldId id="269" r:id="rId17"/>
-    <p:sldId id="271" r:id="rId18"/>
+    <p:sldId id="275" r:id="rId18"/>
+    <p:sldId id="276" r:id="rId19"/>
   </p:sldIdLst>
   <p:sldSz cx="12192000" cy="6858000"/>
   <p:notesSz cx="6858000" cy="9144000"/>
@@ -224,7 +225,7 @@
           <a:p>
             <a:fld id="{D8A1A4A6-C8E2-4F8B-9339-9BE5FA6585F4}" type="datetimeFigureOut">
               <a:rPr lang="ko-KR" altLang="en-US" smtClean="0"/>
-              <a:t>2019-06-26</a:t>
+              <a:t>2019-07-16</a:t>
             </a:fld>
             <a:endParaRPr lang="ko-KR" altLang="en-US"/>
           </a:p>
@@ -288,38 +289,37 @@
           <a:p>
             <a:pPr lvl="0"/>
             <a:r>
-              <a:rPr lang="ko-KR" altLang="en-US" smtClean="0"/>
+              <a:rPr lang="ko-KR" altLang="en-US"/>
               <a:t>마스터 텍스트 스타일 편집</a:t>
             </a:r>
           </a:p>
           <a:p>
             <a:pPr lvl="1"/>
             <a:r>
-              <a:rPr lang="ko-KR" altLang="en-US" smtClean="0"/>
+              <a:rPr lang="ko-KR" altLang="en-US"/>
               <a:t>둘째 수준</a:t>
             </a:r>
           </a:p>
           <a:p>
             <a:pPr lvl="2"/>
             <a:r>
-              <a:rPr lang="ko-KR" altLang="en-US" smtClean="0"/>
+              <a:rPr lang="ko-KR" altLang="en-US"/>
               <a:t>셋째 수준</a:t>
             </a:r>
           </a:p>
           <a:p>
             <a:pPr lvl="3"/>
             <a:r>
-              <a:rPr lang="ko-KR" altLang="en-US" smtClean="0"/>
+              <a:rPr lang="ko-KR" altLang="en-US"/>
               <a:t>넷째 수준</a:t>
             </a:r>
           </a:p>
           <a:p>
             <a:pPr lvl="4"/>
             <a:r>
-              <a:rPr lang="ko-KR" altLang="en-US" smtClean="0"/>
+              <a:rPr lang="ko-KR" altLang="en-US"/>
               <a:t>다섯째 수준</a:t>
             </a:r>
-            <a:endParaRPr lang="ko-KR" altLang="en-US"/>
           </a:p>
         </p:txBody>
       </p:sp>
@@ -537,23 +537,23 @@
           <a:lstStyle/>
           <a:p>
             <a:r>
-              <a:rPr lang="en-US" altLang="ko-KR" dirty="0" smtClean="0"/>
+              <a:rPr lang="en-US" altLang="ko-KR" dirty="0"/>
               <a:t>Fetch</a:t>
             </a:r>
             <a:r>
-              <a:rPr lang="en-US" altLang="ko-KR" baseline="0" dirty="0" smtClean="0"/>
+              <a:rPr lang="en-US" altLang="ko-KR" baseline="0" dirty="0"/>
               <a:t> </a:t>
             </a:r>
             <a:r>
-              <a:rPr lang="ko-KR" altLang="en-US" baseline="0" dirty="0" smtClean="0"/>
+              <a:rPr lang="ko-KR" altLang="en-US" baseline="0" dirty="0"/>
               <a:t>안하면 작업 한 파일과 서버 파일이 달라서 충돌</a:t>
             </a:r>
             <a:r>
-              <a:rPr lang="en-US" altLang="ko-KR" baseline="0" dirty="0" smtClean="0"/>
+              <a:rPr lang="en-US" altLang="ko-KR" baseline="0" dirty="0"/>
               <a:t>(Conflict) </a:t>
             </a:r>
             <a:r>
-              <a:rPr lang="ko-KR" altLang="en-US" baseline="0" smtClean="0"/>
+              <a:rPr lang="ko-KR" altLang="en-US" baseline="0"/>
               <a:t>발생</a:t>
             </a:r>
             <a:endParaRPr lang="ko-KR" altLang="en-US" dirty="0"/>
@@ -743,7 +743,7 @@
           <a:p>
             <a:fld id="{C348226F-32E0-414B-922A-FDEA2ED696BD}" type="datetimeFigureOut">
               <a:rPr lang="ko-KR" altLang="en-US" smtClean="0"/>
-              <a:t>2019-06-26</a:t>
+              <a:t>2019-07-16</a:t>
             </a:fld>
             <a:endParaRPr lang="ko-KR" altLang="en-US"/>
           </a:p>
@@ -941,7 +941,7 @@
           <a:p>
             <a:fld id="{C348226F-32E0-414B-922A-FDEA2ED696BD}" type="datetimeFigureOut">
               <a:rPr lang="ko-KR" altLang="en-US" smtClean="0"/>
-              <a:t>2019-06-26</a:t>
+              <a:t>2019-07-16</a:t>
             </a:fld>
             <a:endParaRPr lang="ko-KR" altLang="en-US"/>
           </a:p>
@@ -1149,7 +1149,7 @@
           <a:p>
             <a:fld id="{C348226F-32E0-414B-922A-FDEA2ED696BD}" type="datetimeFigureOut">
               <a:rPr lang="ko-KR" altLang="en-US" smtClean="0"/>
-              <a:t>2019-06-26</a:t>
+              <a:t>2019-07-16</a:t>
             </a:fld>
             <a:endParaRPr lang="ko-KR" altLang="en-US"/>
           </a:p>
@@ -1347,7 +1347,7 @@
           <a:p>
             <a:fld id="{C348226F-32E0-414B-922A-FDEA2ED696BD}" type="datetimeFigureOut">
               <a:rPr lang="ko-KR" altLang="en-US" smtClean="0"/>
-              <a:t>2019-06-26</a:t>
+              <a:t>2019-07-16</a:t>
             </a:fld>
             <a:endParaRPr lang="ko-KR" altLang="en-US"/>
           </a:p>
@@ -1622,7 +1622,7 @@
           <a:p>
             <a:fld id="{C348226F-32E0-414B-922A-FDEA2ED696BD}" type="datetimeFigureOut">
               <a:rPr lang="ko-KR" altLang="en-US" smtClean="0"/>
-              <a:t>2019-06-26</a:t>
+              <a:t>2019-07-16</a:t>
             </a:fld>
             <a:endParaRPr lang="ko-KR" altLang="en-US"/>
           </a:p>
@@ -1887,7 +1887,7 @@
           <a:p>
             <a:fld id="{C348226F-32E0-414B-922A-FDEA2ED696BD}" type="datetimeFigureOut">
               <a:rPr lang="ko-KR" altLang="en-US" smtClean="0"/>
-              <a:t>2019-06-26</a:t>
+              <a:t>2019-07-16</a:t>
             </a:fld>
             <a:endParaRPr lang="ko-KR" altLang="en-US"/>
           </a:p>
@@ -2299,7 +2299,7 @@
           <a:p>
             <a:fld id="{C348226F-32E0-414B-922A-FDEA2ED696BD}" type="datetimeFigureOut">
               <a:rPr lang="ko-KR" altLang="en-US" smtClean="0"/>
-              <a:t>2019-06-26</a:t>
+              <a:t>2019-07-16</a:t>
             </a:fld>
             <a:endParaRPr lang="ko-KR" altLang="en-US"/>
           </a:p>
@@ -2440,7 +2440,7 @@
           <a:p>
             <a:fld id="{C348226F-32E0-414B-922A-FDEA2ED696BD}" type="datetimeFigureOut">
               <a:rPr lang="ko-KR" altLang="en-US" smtClean="0"/>
-              <a:t>2019-06-26</a:t>
+              <a:t>2019-07-16</a:t>
             </a:fld>
             <a:endParaRPr lang="ko-KR" altLang="en-US"/>
           </a:p>
@@ -2553,7 +2553,7 @@
           <a:p>
             <a:fld id="{C348226F-32E0-414B-922A-FDEA2ED696BD}" type="datetimeFigureOut">
               <a:rPr lang="ko-KR" altLang="en-US" smtClean="0"/>
-              <a:t>2019-06-26</a:t>
+              <a:t>2019-07-16</a:t>
             </a:fld>
             <a:endParaRPr lang="ko-KR" altLang="en-US"/>
           </a:p>
@@ -2864,7 +2864,7 @@
           <a:p>
             <a:fld id="{C348226F-32E0-414B-922A-FDEA2ED696BD}" type="datetimeFigureOut">
               <a:rPr lang="ko-KR" altLang="en-US" smtClean="0"/>
-              <a:t>2019-06-26</a:t>
+              <a:t>2019-07-16</a:t>
             </a:fld>
             <a:endParaRPr lang="ko-KR" altLang="en-US"/>
           </a:p>
@@ -3152,7 +3152,7 @@
           <a:p>
             <a:fld id="{C348226F-32E0-414B-922A-FDEA2ED696BD}" type="datetimeFigureOut">
               <a:rPr lang="ko-KR" altLang="en-US" smtClean="0"/>
-              <a:t>2019-06-26</a:t>
+              <a:t>2019-07-16</a:t>
             </a:fld>
             <a:endParaRPr lang="ko-KR" altLang="en-US"/>
           </a:p>
@@ -3393,7 +3393,7 @@
           <a:p>
             <a:fld id="{C348226F-32E0-414B-922A-FDEA2ED696BD}" type="datetimeFigureOut">
               <a:rPr lang="ko-KR" altLang="en-US" smtClean="0"/>
-              <a:t>2019-06-26</a:t>
+              <a:t>2019-07-16</a:t>
             </a:fld>
             <a:endParaRPr lang="ko-KR" altLang="en-US"/>
           </a:p>
@@ -4023,18 +4023,17 @@
           <a:p>
             <a:pPr algn="ctr"/>
             <a:r>
-              <a:rPr lang="en-US" altLang="ko-KR" sz="2000" dirty="0" err="1" smtClean="0"/>
+              <a:rPr lang="en-US" altLang="ko-KR" sz="2000" dirty="0" err="1"/>
               <a:t>Git</a:t>
             </a:r>
             <a:r>
-              <a:rPr lang="en-US" altLang="ko-KR" sz="2000" dirty="0" smtClean="0"/>
+              <a:rPr lang="en-US" altLang="ko-KR" sz="2000" dirty="0"/>
               <a:t> </a:t>
             </a:r>
             <a:r>
-              <a:rPr lang="ko-KR" altLang="en-US" sz="2000" dirty="0" smtClean="0"/>
+              <a:rPr lang="ko-KR" altLang="en-US" sz="2000" dirty="0"/>
               <a:t>사용법</a:t>
             </a:r>
-            <a:endParaRPr lang="ko-KR" altLang="en-US" sz="2000" dirty="0"/>
           </a:p>
         </p:txBody>
       </p:sp>
@@ -4136,18 +4135,17 @@
           <a:lstStyle/>
           <a:p>
             <a:r>
-              <a:rPr lang="ko-KR" altLang="en-US" dirty="0" smtClean="0"/>
+              <a:rPr lang="ko-KR" altLang="en-US" dirty="0"/>
               <a:t>항상 코딩 시작 전에 </a:t>
             </a:r>
             <a:r>
-              <a:rPr lang="en-US" altLang="ko-KR" dirty="0" smtClean="0"/>
+              <a:rPr lang="en-US" altLang="ko-KR" dirty="0"/>
               <a:t>Fetch origin </a:t>
             </a:r>
             <a:r>
-              <a:rPr lang="ko-KR" altLang="en-US" dirty="0" smtClean="0"/>
+              <a:rPr lang="ko-KR" altLang="en-US" dirty="0"/>
               <a:t>눌러서 서버의 코드와 컴퓨터의 코드를 동기화 시킨 후에 진행</a:t>
             </a:r>
-            <a:endParaRPr lang="ko-KR" altLang="en-US" dirty="0"/>
           </a:p>
         </p:txBody>
       </p:sp>
@@ -4271,10 +4269,9 @@
           <a:lstStyle/>
           <a:p>
             <a:r>
-              <a:rPr lang="ko-KR" altLang="en-US" dirty="0" smtClean="0"/>
+              <a:rPr lang="ko-KR" altLang="en-US" dirty="0"/>
               <a:t>제목은 작업했던 주요한 목적 포함되도록</a:t>
             </a:r>
-            <a:endParaRPr lang="ko-KR" altLang="en-US" dirty="0"/>
           </a:p>
         </p:txBody>
       </p:sp>
@@ -4306,10 +4303,9 @@
           <a:lstStyle/>
           <a:p>
             <a:r>
-              <a:rPr lang="ko-KR" altLang="en-US" dirty="0" smtClean="0"/>
+              <a:rPr lang="ko-KR" altLang="en-US" dirty="0"/>
               <a:t>설명은 최대한 구체적으로</a:t>
             </a:r>
-            <a:endParaRPr lang="ko-KR" altLang="en-US" dirty="0"/>
           </a:p>
         </p:txBody>
       </p:sp>
@@ -4387,30 +4383,29 @@
           <a:lstStyle/>
           <a:p>
             <a:r>
-              <a:rPr lang="ko-KR" altLang="en-US" dirty="0" err="1" smtClean="0"/>
+              <a:rPr lang="ko-KR" altLang="en-US" dirty="0" err="1"/>
               <a:t>커밋</a:t>
             </a:r>
             <a:r>
-              <a:rPr lang="ko-KR" altLang="en-US" dirty="0" smtClean="0"/>
+              <a:rPr lang="ko-KR" altLang="en-US" dirty="0"/>
               <a:t> 후에는 </a:t>
             </a:r>
             <a:r>
-              <a:rPr lang="ko-KR" altLang="en-US" dirty="0" err="1" smtClean="0"/>
+              <a:rPr lang="ko-KR" altLang="en-US" dirty="0" err="1"/>
               <a:t>카톡으로</a:t>
             </a:r>
             <a:r>
-              <a:rPr lang="ko-KR" altLang="en-US" dirty="0" smtClean="0"/>
+              <a:rPr lang="ko-KR" altLang="en-US" dirty="0"/>
               <a:t> </a:t>
             </a:r>
             <a:r>
-              <a:rPr lang="ko-KR" altLang="en-US" dirty="0" err="1" smtClean="0"/>
+              <a:rPr lang="ko-KR" altLang="en-US" dirty="0" err="1"/>
               <a:t>커밋완료했다고</a:t>
             </a:r>
             <a:r>
-              <a:rPr lang="ko-KR" altLang="en-US" dirty="0" smtClean="0"/>
+              <a:rPr lang="ko-KR" altLang="en-US" dirty="0"/>
               <a:t> 알리고 작업내용 알려주기</a:t>
             </a:r>
-            <a:endParaRPr lang="ko-KR" altLang="en-US" dirty="0"/>
           </a:p>
         </p:txBody>
       </p:sp>
@@ -4442,37 +4437,37 @@
           <a:lstStyle/>
           <a:p>
             <a:r>
-              <a:rPr lang="ko-KR" altLang="en-US" dirty="0" err="1" smtClean="0"/>
+              <a:rPr lang="ko-KR" altLang="en-US" dirty="0" err="1"/>
               <a:t>커밋은</a:t>
             </a:r>
             <a:r>
-              <a:rPr lang="ko-KR" altLang="en-US" dirty="0" smtClean="0"/>
+              <a:rPr lang="ko-KR" altLang="en-US" dirty="0"/>
               <a:t> 에러가 없이 동작하는 파일들만 </a:t>
             </a:r>
             <a:r>
-              <a:rPr lang="ko-KR" altLang="en-US" dirty="0" err="1" smtClean="0"/>
+              <a:rPr lang="ko-KR" altLang="en-US" dirty="0" err="1"/>
               <a:t>깃헙에</a:t>
             </a:r>
             <a:r>
-              <a:rPr lang="ko-KR" altLang="en-US" dirty="0" smtClean="0"/>
+              <a:rPr lang="ko-KR" altLang="en-US" dirty="0"/>
               <a:t> 올립니다</a:t>
             </a:r>
             <a:r>
-              <a:rPr lang="en-US" altLang="ko-KR" dirty="0" smtClean="0"/>
+              <a:rPr lang="en-US" altLang="ko-KR" dirty="0"/>
               <a:t>.</a:t>
             </a:r>
           </a:p>
           <a:p>
             <a:r>
-              <a:rPr lang="ko-KR" altLang="en-US" dirty="0" smtClean="0"/>
+              <a:rPr lang="ko-KR" altLang="en-US" dirty="0"/>
               <a:t>에러가 있다면 코드 수정 완료 후 </a:t>
             </a:r>
             <a:r>
-              <a:rPr lang="ko-KR" altLang="en-US" dirty="0" err="1" smtClean="0"/>
+              <a:rPr lang="ko-KR" altLang="en-US" dirty="0" err="1"/>
               <a:t>커밋</a:t>
             </a:r>
             <a:r>
-              <a:rPr lang="en-US" altLang="ko-KR" dirty="0" smtClean="0"/>
+              <a:rPr lang="en-US" altLang="ko-KR" dirty="0"/>
               <a:t>.</a:t>
             </a:r>
             <a:endParaRPr lang="ko-KR" altLang="en-US" dirty="0"/>
@@ -4558,18 +4553,17 @@
           <a:p>
             <a:pPr algn="ctr"/>
             <a:r>
-              <a:rPr lang="en-US" altLang="ko-KR" sz="2000" dirty="0" err="1" smtClean="0"/>
+              <a:rPr lang="en-US" altLang="ko-KR" sz="2000" dirty="0" err="1"/>
               <a:t>Git</a:t>
             </a:r>
             <a:r>
-              <a:rPr lang="en-US" altLang="ko-KR" sz="2000" dirty="0" smtClean="0"/>
+              <a:rPr lang="en-US" altLang="ko-KR" sz="2000" dirty="0"/>
               <a:t> </a:t>
             </a:r>
             <a:r>
-              <a:rPr lang="ko-KR" altLang="en-US" sz="2000" dirty="0" smtClean="0"/>
+              <a:rPr lang="ko-KR" altLang="en-US" sz="2000" dirty="0"/>
               <a:t>사용법</a:t>
             </a:r>
-            <a:endParaRPr lang="ko-KR" altLang="en-US" sz="2000" dirty="0"/>
           </a:p>
         </p:txBody>
       </p:sp>
@@ -4625,35 +4619,35 @@
           <a:lstStyle/>
           <a:p>
             <a:r>
-              <a:rPr lang="ko-KR" altLang="en-US" dirty="0" smtClean="0"/>
+              <a:rPr lang="ko-KR" altLang="en-US" dirty="0"/>
               <a:t>본인이 작업했던 내용 중 이번 </a:t>
             </a:r>
             <a:r>
-              <a:rPr lang="ko-KR" altLang="en-US" dirty="0" err="1" smtClean="0"/>
+              <a:rPr lang="ko-KR" altLang="en-US" dirty="0" err="1"/>
               <a:t>커밋에</a:t>
             </a:r>
             <a:r>
-              <a:rPr lang="ko-KR" altLang="en-US" dirty="0" smtClean="0"/>
+              <a:rPr lang="ko-KR" altLang="en-US" dirty="0"/>
               <a:t> 반영하기 싫은 내용이 있다면 </a:t>
             </a:r>
             <a:r>
-              <a:rPr lang="en-US" altLang="ko-KR" dirty="0" smtClean="0"/>
+              <a:rPr lang="en-US" altLang="ko-KR" dirty="0"/>
               <a:t>Discard </a:t>
             </a:r>
             <a:r>
-              <a:rPr lang="en-US" altLang="ko-KR" dirty="0" err="1" smtClean="0"/>
+              <a:rPr lang="en-US" altLang="ko-KR" dirty="0" err="1"/>
               <a:t>chages</a:t>
             </a:r>
             <a:r>
-              <a:rPr lang="en-US" altLang="ko-KR" dirty="0" smtClean="0"/>
+              <a:rPr lang="en-US" altLang="ko-KR" dirty="0"/>
               <a:t>… </a:t>
             </a:r>
             <a:r>
-              <a:rPr lang="ko-KR" altLang="en-US" dirty="0" smtClean="0"/>
+              <a:rPr lang="ko-KR" altLang="en-US" dirty="0"/>
               <a:t>를 </a:t>
             </a:r>
             <a:r>
-              <a:rPr lang="en-US" altLang="ko-KR" b="1" dirty="0" smtClean="0">
+              <a:rPr lang="en-US" altLang="ko-KR" b="1" dirty="0">
                 <a:solidFill>
                   <a:srgbClr val="FF0000"/>
                 </a:solidFill>
@@ -4661,7 +4655,7 @@
               <a:t>‘</a:t>
             </a:r>
             <a:r>
-              <a:rPr lang="ko-KR" altLang="en-US" b="1" dirty="0" err="1" smtClean="0">
+              <a:rPr lang="ko-KR" altLang="en-US" b="1" dirty="0" err="1">
                 <a:solidFill>
                   <a:srgbClr val="FF0000"/>
                 </a:solidFill>
@@ -4669,7 +4663,7 @@
               <a:t>커밋</a:t>
             </a:r>
             <a:r>
-              <a:rPr lang="ko-KR" altLang="en-US" b="1" dirty="0" smtClean="0">
+              <a:rPr lang="ko-KR" altLang="en-US" b="1" dirty="0">
                 <a:solidFill>
                   <a:srgbClr val="FF0000"/>
                 </a:solidFill>
@@ -4677,7 +4671,7 @@
               <a:t> 직전</a:t>
             </a:r>
             <a:r>
-              <a:rPr lang="en-US" altLang="ko-KR" b="1" dirty="0" smtClean="0">
+              <a:rPr lang="en-US" altLang="ko-KR" b="1" dirty="0">
                 <a:solidFill>
                   <a:srgbClr val="FF0000"/>
                 </a:solidFill>
@@ -4685,41 +4679,41 @@
               <a:t>’</a:t>
             </a:r>
             <a:r>
-              <a:rPr lang="ko-KR" altLang="en-US" dirty="0" smtClean="0"/>
+              <a:rPr lang="ko-KR" altLang="en-US" dirty="0"/>
               <a:t>에 눌러줍니다</a:t>
             </a:r>
             <a:r>
-              <a:rPr lang="en-US" altLang="ko-KR" dirty="0" smtClean="0"/>
+              <a:rPr lang="en-US" altLang="ko-KR" dirty="0"/>
               <a:t>. (</a:t>
             </a:r>
             <a:r>
-              <a:rPr lang="ko-KR" altLang="en-US" dirty="0" smtClean="0"/>
+              <a:rPr lang="ko-KR" altLang="en-US" dirty="0"/>
               <a:t>그 파일은 </a:t>
             </a:r>
             <a:r>
-              <a:rPr lang="ko-KR" altLang="en-US" dirty="0" err="1" smtClean="0"/>
+              <a:rPr lang="ko-KR" altLang="en-US" dirty="0" err="1"/>
               <a:t>커밋에서</a:t>
             </a:r>
             <a:r>
-              <a:rPr lang="ko-KR" altLang="en-US" dirty="0" smtClean="0"/>
+              <a:rPr lang="ko-KR" altLang="en-US" dirty="0"/>
               <a:t> 제외됩니다</a:t>
             </a:r>
             <a:r>
-              <a:rPr lang="en-US" altLang="ko-KR" dirty="0" smtClean="0"/>
+              <a:rPr lang="en-US" altLang="ko-KR" dirty="0"/>
               <a:t>.)</a:t>
             </a:r>
           </a:p>
           <a:p>
             <a:r>
-              <a:rPr lang="en-US" altLang="ko-KR" dirty="0" smtClean="0"/>
+              <a:rPr lang="en-US" altLang="ko-KR" dirty="0"/>
               <a:t>(</a:t>
             </a:r>
             <a:r>
-              <a:rPr lang="ko-KR" altLang="en-US" dirty="0" smtClean="0"/>
+              <a:rPr lang="ko-KR" altLang="en-US" dirty="0"/>
               <a:t>파일 내용은 변하지 않습니다</a:t>
             </a:r>
             <a:r>
-              <a:rPr lang="en-US" altLang="ko-KR" dirty="0" smtClean="0"/>
+              <a:rPr lang="en-US" altLang="ko-KR" dirty="0"/>
               <a:t>.)</a:t>
             </a:r>
             <a:endParaRPr lang="ko-KR" altLang="en-US" dirty="0"/>
@@ -4880,18 +4874,17 @@
           <a:p>
             <a:pPr algn="ctr"/>
             <a:r>
-              <a:rPr lang="en-US" altLang="ko-KR" sz="2000" dirty="0" err="1" smtClean="0"/>
+              <a:rPr lang="en-US" altLang="ko-KR" sz="2000" dirty="0" err="1"/>
               <a:t>Git</a:t>
             </a:r>
             <a:r>
-              <a:rPr lang="en-US" altLang="ko-KR" sz="2000" dirty="0" smtClean="0"/>
+              <a:rPr lang="en-US" altLang="ko-KR" sz="2000" dirty="0"/>
               <a:t> </a:t>
             </a:r>
             <a:r>
-              <a:rPr lang="ko-KR" altLang="en-US" sz="2000" dirty="0" smtClean="0"/>
+              <a:rPr lang="ko-KR" altLang="en-US" sz="2000" dirty="0"/>
               <a:t>사용법</a:t>
             </a:r>
-            <a:endParaRPr lang="ko-KR" altLang="en-US" sz="2000" dirty="0"/>
           </a:p>
         </p:txBody>
       </p:sp>
@@ -4957,13 +4950,13 @@
               <a:t>로컬에 병합되지 않음</a:t>
             </a:r>
             <a:r>
-              <a:rPr lang="en-US" altLang="ko-KR" dirty="0" smtClean="0"/>
+              <a:rPr lang="en-US" altLang="ko-KR" dirty="0"/>
               <a:t>)</a:t>
             </a:r>
           </a:p>
           <a:p>
             <a:r>
-              <a:rPr lang="ko-KR" altLang="en-US" dirty="0" smtClean="0"/>
+              <a:rPr lang="ko-KR" altLang="en-US" dirty="0"/>
               <a:t>에러가 뜰 때</a:t>
             </a:r>
             <a:endParaRPr lang="en-US" altLang="ko-KR" dirty="0"/>
@@ -4998,59 +4991,59 @@
           <a:lstStyle/>
           <a:p>
             <a:r>
-              <a:rPr lang="en-US" altLang="ko-KR" dirty="0" smtClean="0"/>
+              <a:rPr lang="en-US" altLang="ko-KR" dirty="0"/>
               <a:t>CMD </a:t>
             </a:r>
             <a:r>
-              <a:rPr lang="ko-KR" altLang="en-US" dirty="0" smtClean="0"/>
+              <a:rPr lang="ko-KR" altLang="en-US" dirty="0"/>
               <a:t>열고 파일이 있는 경로로 </a:t>
             </a:r>
             <a:r>
-              <a:rPr lang="en-US" altLang="ko-KR" dirty="0" smtClean="0"/>
+              <a:rPr lang="en-US" altLang="ko-KR" dirty="0"/>
               <a:t>cd </a:t>
             </a:r>
             <a:r>
-              <a:rPr lang="ko-KR" altLang="en-US" dirty="0" smtClean="0"/>
+              <a:rPr lang="ko-KR" altLang="en-US" dirty="0"/>
               <a:t>한 다음</a:t>
             </a:r>
             <a:r>
-              <a:rPr lang="en-US" altLang="ko-KR" dirty="0" smtClean="0"/>
+              <a:rPr lang="en-US" altLang="ko-KR" dirty="0"/>
               <a:t>,</a:t>
             </a:r>
           </a:p>
           <a:p>
             <a:r>
-              <a:rPr lang="en-US" altLang="ko-KR" dirty="0" err="1" smtClean="0"/>
+              <a:rPr lang="en-US" altLang="ko-KR" dirty="0" err="1"/>
               <a:t>git</a:t>
             </a:r>
             <a:r>
-              <a:rPr lang="en-US" altLang="ko-KR" dirty="0" smtClean="0"/>
+              <a:rPr lang="en-US" altLang="ko-KR" dirty="0"/>
               <a:t> status</a:t>
             </a:r>
           </a:p>
           <a:p>
             <a:r>
-              <a:rPr lang="ko-KR" altLang="en-US" dirty="0" smtClean="0"/>
+              <a:rPr lang="ko-KR" altLang="en-US" dirty="0"/>
               <a:t>친 다음 </a:t>
             </a:r>
             <a:r>
-              <a:rPr lang="en-US" altLang="ko-KR" dirty="0" err="1" smtClean="0"/>
+              <a:rPr lang="en-US" altLang="ko-KR" dirty="0" err="1"/>
               <a:t>github</a:t>
             </a:r>
             <a:r>
-              <a:rPr lang="en-US" altLang="ko-KR" dirty="0" smtClean="0"/>
+              <a:rPr lang="en-US" altLang="ko-KR" dirty="0"/>
               <a:t> desktop</a:t>
             </a:r>
             <a:r>
-              <a:rPr lang="ko-KR" altLang="en-US" dirty="0" smtClean="0"/>
+              <a:rPr lang="ko-KR" altLang="en-US" dirty="0"/>
               <a:t>에서 </a:t>
             </a:r>
             <a:r>
-              <a:rPr lang="ko-KR" altLang="en-US" dirty="0" err="1" smtClean="0"/>
+              <a:rPr lang="ko-KR" altLang="en-US" dirty="0" err="1"/>
               <a:t>커밋</a:t>
             </a:r>
             <a:r>
-              <a:rPr lang="ko-KR" altLang="en-US" dirty="0" smtClean="0"/>
+              <a:rPr lang="ko-KR" altLang="en-US" dirty="0"/>
               <a:t> 다시 실행</a:t>
             </a:r>
             <a:endParaRPr lang="en-US" altLang="ko-KR" dirty="0"/>
@@ -5178,18 +5171,13 @@
           <a:p>
             <a:pPr algn="ctr"/>
             <a:r>
-              <a:rPr lang="en-US" altLang="ko-KR" sz="3600" dirty="0" smtClean="0"/>
-              <a:t>PyQt5</a:t>
-            </a:r>
-            <a:r>
-              <a:rPr lang="en-US" altLang="ko-KR" sz="3600" dirty="0" smtClean="0"/>
-              <a:t> </a:t>
-            </a:r>
-            <a:r>
-              <a:rPr lang="ko-KR" altLang="en-US" sz="3600" dirty="0" smtClean="0"/>
+              <a:rPr lang="en-US" altLang="ko-KR" sz="3600" dirty="0"/>
+              <a:t>PyQt5 </a:t>
+            </a:r>
+            <a:r>
+              <a:rPr lang="ko-KR" altLang="en-US" sz="3600" dirty="0"/>
               <a:t>사용법</a:t>
             </a:r>
-            <a:endParaRPr lang="ko-KR" altLang="en-US" sz="3600" dirty="0"/>
           </a:p>
         </p:txBody>
       </p:sp>
@@ -5274,18 +5262,13 @@
           <a:p>
             <a:pPr algn="ctr"/>
             <a:r>
-              <a:rPr lang="en-US" altLang="ko-KR" sz="2000" dirty="0" smtClean="0"/>
-              <a:t>PyQt5</a:t>
-            </a:r>
-            <a:r>
-              <a:rPr lang="en-US" altLang="ko-KR" sz="2000" dirty="0" smtClean="0"/>
-              <a:t> </a:t>
-            </a:r>
-            <a:r>
-              <a:rPr lang="ko-KR" altLang="en-US" sz="2000" dirty="0" smtClean="0"/>
+              <a:rPr lang="en-US" altLang="ko-KR" sz="2000" dirty="0"/>
+              <a:t>PyQt5 </a:t>
+            </a:r>
+            <a:r>
+              <a:rPr lang="ko-KR" altLang="en-US" sz="2000" dirty="0"/>
               <a:t>사용법</a:t>
             </a:r>
-            <a:endParaRPr lang="ko-KR" altLang="en-US" sz="2000" dirty="0"/>
           </a:p>
         </p:txBody>
       </p:sp>
@@ -5343,23 +5326,23 @@
           <a:lstStyle/>
           <a:p>
             <a:r>
-              <a:rPr lang="en-US" altLang="ko-KR" dirty="0" smtClean="0"/>
+              <a:rPr lang="en-US" altLang="ko-KR" dirty="0"/>
               <a:t>Pip</a:t>
             </a:r>
             <a:r>
-              <a:rPr lang="ko-KR" altLang="en-US" dirty="0" smtClean="0"/>
+              <a:rPr lang="ko-KR" altLang="en-US" dirty="0"/>
               <a:t>로 설치가 안될 때 다운로드 경로</a:t>
             </a:r>
             <a:r>
-              <a:rPr lang="en-US" altLang="ko-KR" dirty="0" smtClean="0"/>
+              <a:rPr lang="en-US" altLang="ko-KR" dirty="0"/>
               <a:t>(Windows </a:t>
             </a:r>
             <a:r>
-              <a:rPr lang="ko-KR" altLang="en-US" dirty="0" smtClean="0"/>
+              <a:rPr lang="ko-KR" altLang="en-US" dirty="0"/>
               <a:t>용 다운로드</a:t>
             </a:r>
             <a:r>
-              <a:rPr lang="en-US" altLang="ko-KR" dirty="0" smtClean="0"/>
+              <a:rPr lang="en-US" altLang="ko-KR" dirty="0"/>
               <a:t>)</a:t>
             </a:r>
             <a:endParaRPr lang="ko-KR" altLang="en-US" dirty="0"/>
@@ -5423,10 +5406,6 @@
               </a:rPr>
               <a:t>설치 과정</a:t>
             </a:r>
-            <a:r>
-              <a:rPr lang="ko-KR" altLang="en-US" dirty="0"/>
-              <a:t/>
-            </a:r>
             <a:br>
               <a:rPr lang="ko-KR" altLang="en-US" dirty="0"/>
             </a:br>
@@ -5448,10 +5427,6 @@
               </a:rPr>
               <a:t>를 관리자권한으로 실행</a:t>
             </a:r>
-            <a:r>
-              <a:rPr lang="ko-KR" altLang="en-US" dirty="0"/>
-              <a:t/>
-            </a:r>
             <a:br>
               <a:rPr lang="ko-KR" altLang="en-US" dirty="0"/>
             </a:br>
@@ -5464,10 +5439,6 @@
               </a:rPr>
               <a:t>2.pip install pyqt5</a:t>
             </a:r>
-            <a:r>
-              <a:rPr lang="ko-KR" altLang="en-US" dirty="0"/>
-              <a:t/>
-            </a:r>
             <a:br>
               <a:rPr lang="ko-KR" altLang="en-US" dirty="0"/>
             </a:br>
@@ -5496,29 +5467,16 @@
                 </a:solidFill>
                 <a:latin typeface="NanumGothic"/>
               </a:rPr>
-              <a:t>가 </a:t>
-            </a:r>
-            <a:r>
-              <a:rPr lang="ko-KR" altLang="en-US" dirty="0" smtClean="0">
-                <a:solidFill>
-                  <a:srgbClr val="666666"/>
-                </a:solidFill>
-                <a:latin typeface="NanumGothic"/>
-              </a:rPr>
-              <a:t>설치됨</a:t>
-            </a:r>
-            <a:r>
-              <a:rPr lang="en-US" altLang="ko-KR" dirty="0" smtClean="0">
+              <a:t>가 설치됨</a:t>
+            </a:r>
+            <a:r>
+              <a:rPr lang="en-US" altLang="ko-KR" dirty="0">
                 <a:solidFill>
                   <a:srgbClr val="666666"/>
                 </a:solidFill>
                 <a:latin typeface="NanumGothic"/>
               </a:rPr>
               <a:t>.</a:t>
-            </a:r>
-            <a:r>
-              <a:rPr lang="ko-KR" altLang="en-US" dirty="0"/>
-              <a:t/>
             </a:r>
             <a:br>
               <a:rPr lang="ko-KR" altLang="en-US" dirty="0"/>
@@ -5532,10 +5490,6 @@
               </a:rPr>
               <a:t>3.pip install pyqt5-tools</a:t>
             </a:r>
-            <a:r>
-              <a:rPr lang="ko-KR" altLang="en-US" dirty="0"/>
-              <a:t/>
-            </a:r>
             <a:br>
               <a:rPr lang="ko-KR" altLang="en-US" dirty="0"/>
             </a:br>
@@ -5582,19 +5536,10 @@
                 </a:solidFill>
                 <a:latin typeface="NanumGothic"/>
               </a:rPr>
-              <a:t>가 </a:t>
-            </a:r>
-            <a:r>
-              <a:rPr lang="ko-KR" altLang="en-US" dirty="0" smtClean="0">
-                <a:solidFill>
-                  <a:srgbClr val="666666"/>
-                </a:solidFill>
-                <a:latin typeface="NanumGothic"/>
-              </a:rPr>
-              <a:t>설치됨</a:t>
-            </a:r>
-            <a:r>
-              <a:rPr lang="en-US" altLang="ko-KR" dirty="0" smtClean="0">
+              <a:t>가 설치됨</a:t>
+            </a:r>
+            <a:r>
+              <a:rPr lang="en-US" altLang="ko-KR" dirty="0">
                 <a:solidFill>
                   <a:srgbClr val="666666"/>
                 </a:solidFill>
@@ -5602,17 +5547,9 @@
               </a:rPr>
               <a:t>.</a:t>
             </a:r>
-            <a:r>
-              <a:rPr lang="ko-KR" altLang="en-US" dirty="0"/>
-              <a:t/>
-            </a:r>
             <a:br>
               <a:rPr lang="ko-KR" altLang="en-US" dirty="0"/>
             </a:br>
-            <a:r>
-              <a:rPr lang="ko-KR" altLang="en-US" dirty="0"/>
-              <a:t/>
-            </a:r>
             <a:br>
               <a:rPr lang="ko-KR" altLang="en-US" dirty="0"/>
             </a:br>
@@ -5652,10 +5589,6 @@
               </a:rPr>
               <a:t>설치 확인</a:t>
             </a:r>
-            <a:r>
-              <a:rPr lang="ko-KR" altLang="en-US" dirty="0"/>
-              <a:t/>
-            </a:r>
             <a:br>
               <a:rPr lang="ko-KR" altLang="en-US" dirty="0"/>
             </a:br>
@@ -5711,19 +5644,10 @@
                 </a:solidFill>
                 <a:latin typeface="NanumGothic"/>
               </a:rPr>
-              <a:t>로 실행시켜서 </a:t>
-            </a:r>
-            <a:r>
-              <a:rPr lang="ko-KR" altLang="en-US" dirty="0" smtClean="0">
-                <a:solidFill>
-                  <a:srgbClr val="666666"/>
-                </a:solidFill>
-                <a:latin typeface="NanumGothic"/>
-              </a:rPr>
-              <a:t>확인</a:t>
-            </a:r>
-            <a:r>
-              <a:rPr lang="en-US" altLang="ko-KR" dirty="0" smtClean="0">
+              <a:t>로 실행시켜서 확인</a:t>
+            </a:r>
+            <a:r>
+              <a:rPr lang="en-US" altLang="ko-KR" dirty="0">
                 <a:solidFill>
                   <a:srgbClr val="666666"/>
                 </a:solidFill>
@@ -5731,10 +5655,6 @@
               </a:rPr>
               <a:t>.</a:t>
             </a:r>
-            <a:r>
-              <a:rPr lang="ko-KR" altLang="en-US" dirty="0"/>
-              <a:t/>
-            </a:r>
             <a:br>
               <a:rPr lang="ko-KR" altLang="en-US" dirty="0"/>
             </a:br>
@@ -5796,38 +5716,33 @@
           <a:lstStyle/>
           <a:p>
             <a:r>
-              <a:rPr lang="ko-KR" altLang="en-US" dirty="0" smtClean="0"/>
+              <a:rPr lang="ko-KR" altLang="en-US" dirty="0"/>
               <a:t>개념</a:t>
             </a:r>
             <a:r>
-              <a:rPr lang="en-US" altLang="ko-KR" dirty="0" smtClean="0"/>
+              <a:rPr lang="en-US" altLang="ko-KR" dirty="0"/>
               <a:t>, </a:t>
             </a:r>
             <a:r>
-              <a:rPr lang="ko-KR" altLang="en-US" dirty="0" smtClean="0"/>
+              <a:rPr lang="ko-KR" altLang="en-US" dirty="0"/>
               <a:t>원리</a:t>
             </a:r>
             <a:r>
-              <a:rPr lang="en-US" altLang="ko-KR" dirty="0" smtClean="0"/>
+              <a:rPr lang="en-US" altLang="ko-KR" dirty="0"/>
               <a:t>, </a:t>
             </a:r>
             <a:r>
-              <a:rPr lang="ko-KR" altLang="en-US" dirty="0" smtClean="0"/>
+              <a:rPr lang="ko-KR" altLang="en-US" dirty="0"/>
               <a:t>응용</a:t>
             </a:r>
             <a:r>
-              <a:rPr lang="en-US" altLang="ko-KR" dirty="0" smtClean="0"/>
+              <a:rPr lang="en-US" altLang="ko-KR" dirty="0"/>
               <a:t>,</a:t>
             </a:r>
             <a:r>
               <a:rPr lang="ko-KR" altLang="en-US" dirty="0"/>
-              <a:t> </a:t>
-            </a:r>
-            <a:r>
-              <a:rPr lang="ko-KR" altLang="en-US" dirty="0" smtClean="0"/>
-              <a:t>설명 모든 것</a:t>
-            </a:r>
-            <a:endParaRPr lang="ko-KR" altLang="en-US" dirty="0"/>
+              <a:t> 설명 모든 것</a:t>
+            </a:r>
           </a:p>
         </p:txBody>
       </p:sp>
@@ -5912,18 +5827,13 @@
           <a:p>
             <a:pPr algn="ctr"/>
             <a:r>
-              <a:rPr lang="en-US" altLang="ko-KR" sz="2000" dirty="0" smtClean="0"/>
-              <a:t>PyQt5</a:t>
-            </a:r>
-            <a:r>
-              <a:rPr lang="en-US" altLang="ko-KR" sz="2000" dirty="0" smtClean="0"/>
-              <a:t> </a:t>
-            </a:r>
-            <a:r>
-              <a:rPr lang="ko-KR" altLang="en-US" sz="2000" dirty="0" smtClean="0"/>
+              <a:rPr lang="en-US" altLang="ko-KR" sz="2000" dirty="0"/>
+              <a:t>PyQt5 </a:t>
+            </a:r>
+            <a:r>
+              <a:rPr lang="ko-KR" altLang="en-US" sz="2000" dirty="0"/>
               <a:t>사용법</a:t>
             </a:r>
-            <a:endParaRPr lang="ko-KR" altLang="en-US" sz="2000" dirty="0"/>
           </a:p>
         </p:txBody>
       </p:sp>
@@ -5950,39 +5860,35 @@
           <a:lstStyle/>
           <a:p>
             <a:r>
-              <a:rPr lang="en-US" altLang="ko-KR" dirty="0" err="1" smtClean="0"/>
+              <a:rPr lang="en-US" altLang="ko-KR" dirty="0" err="1"/>
               <a:t>Git</a:t>
             </a:r>
             <a:r>
-              <a:rPr lang="en-US" altLang="ko-KR" dirty="0" smtClean="0"/>
+              <a:rPr lang="en-US" altLang="ko-KR" dirty="0"/>
               <a:t> </a:t>
             </a:r>
             <a:r>
-              <a:rPr lang="ko-KR" altLang="en-US" dirty="0" smtClean="0"/>
+              <a:rPr lang="ko-KR" altLang="en-US" dirty="0"/>
               <a:t>디렉터리 내 </a:t>
             </a:r>
             <a:r>
-              <a:rPr lang="en-US" altLang="ko-KR" dirty="0" err="1" smtClean="0"/>
+              <a:rPr lang="en-US" altLang="ko-KR" dirty="0" err="1"/>
               <a:t>MainWindw.ui</a:t>
             </a:r>
             <a:r>
               <a:rPr lang="ko-KR" altLang="en-US" dirty="0"/>
-              <a:t> </a:t>
-            </a:r>
-            <a:r>
-              <a:rPr lang="ko-KR" altLang="en-US" dirty="0" smtClean="0"/>
-              <a:t>가 </a:t>
-            </a:r>
-            <a:r>
-              <a:rPr lang="en-US" altLang="ko-KR" dirty="0" err="1" smtClean="0"/>
+              <a:t> 가 </a:t>
+            </a:r>
+            <a:r>
+              <a:rPr lang="en-US" altLang="ko-KR" dirty="0" err="1"/>
               <a:t>QtDesigner</a:t>
             </a:r>
             <a:r>
-              <a:rPr lang="ko-KR" altLang="en-US" dirty="0" smtClean="0"/>
+              <a:rPr lang="ko-KR" altLang="en-US" dirty="0"/>
               <a:t>로 디자인한 폼 파일</a:t>
             </a:r>
             <a:r>
-              <a:rPr lang="en-US" altLang="ko-KR" dirty="0" smtClean="0"/>
+              <a:rPr lang="en-US" altLang="ko-KR" dirty="0"/>
               <a:t>.</a:t>
             </a:r>
             <a:endParaRPr lang="ko-KR" altLang="en-US" dirty="0"/>
@@ -6112,29 +6018,29 @@
               <a:t> </a:t>
             </a:r>
             <a:r>
-              <a:rPr lang="ko-KR" altLang="en-US" dirty="0" err="1" smtClean="0"/>
+              <a:rPr lang="ko-KR" altLang="en-US" dirty="0" err="1"/>
               <a:t>initialized</a:t>
             </a:r>
             <a:r>
-              <a:rPr lang="ko-KR" altLang="en-US" dirty="0" smtClean="0"/>
+              <a:rPr lang="ko-KR" altLang="en-US" dirty="0"/>
               <a:t> </a:t>
             </a:r>
             <a:r>
-              <a:rPr lang="en-US" altLang="ko-KR" dirty="0" smtClean="0"/>
+              <a:rPr lang="en-US" altLang="ko-KR" dirty="0"/>
               <a:t>– </a:t>
             </a:r>
             <a:r>
-              <a:rPr lang="ko-KR" altLang="en-US" dirty="0" smtClean="0"/>
+              <a:rPr lang="ko-KR" altLang="en-US" dirty="0"/>
               <a:t>에러 발생 시</a:t>
             </a:r>
-            <a:endParaRPr lang="en-US" altLang="ko-KR" dirty="0" smtClean="0"/>
-          </a:p>
-          <a:p>
             <a:endParaRPr lang="en-US" altLang="ko-KR" dirty="0"/>
           </a:p>
           <a:p>
-            <a:r>
-              <a:rPr lang="en-US" altLang="ko-KR" dirty="0" smtClean="0">
+            <a:endParaRPr lang="en-US" altLang="ko-KR" dirty="0"/>
+          </a:p>
+          <a:p>
+            <a:r>
+              <a:rPr lang="en-US" altLang="ko-KR" dirty="0">
                 <a:sym typeface="Wingdings" panose="05000000000000000000" pitchFamily="2" charset="2"/>
               </a:rPr>
               <a:t></a:t>
@@ -6270,10 +6176,9 @@
               <a:t> 이다</a:t>
             </a:r>
             <a:r>
-              <a:rPr lang="en-US" altLang="ko-KR" dirty="0" smtClean="0"/>
+              <a:rPr lang="en-US" altLang="ko-KR" dirty="0"/>
               <a:t>.</a:t>
             </a:r>
-            <a:endParaRPr lang="en-US" altLang="ko-KR" dirty="0"/>
           </a:p>
         </p:txBody>
       </p:sp>
@@ -6337,10 +6242,329 @@
           <a:chExt cx="0" cy="0"/>
         </a:xfrm>
       </p:grpSpPr>
+      <p:sp>
+        <p:nvSpPr>
+          <p:cNvPr id="4" name="직사각형 3">
+            <a:extLst>
+              <a:ext uri="{FF2B5EF4-FFF2-40B4-BE49-F238E27FC236}">
+                <a16:creationId xmlns:a16="http://schemas.microsoft.com/office/drawing/2014/main" id="{0C7DC2CD-4B70-449E-B86C-1A4055C3E8ED}"/>
+              </a:ext>
+            </a:extLst>
+          </p:cNvPr>
+          <p:cNvSpPr/>
+          <p:nvPr/>
+        </p:nvSpPr>
+        <p:spPr>
+          <a:xfrm>
+            <a:off x="854298" y="602087"/>
+            <a:ext cx="10483403" cy="5653825"/>
+          </a:xfrm>
+          <a:prstGeom prst="rect">
+            <a:avLst/>
+          </a:prstGeom>
+          <a:solidFill>
+            <a:schemeClr val="tx2">
+              <a:lumMod val="50000"/>
+            </a:schemeClr>
+          </a:solidFill>
+          <a:ln>
+            <a:noFill/>
+          </a:ln>
+        </p:spPr>
+        <p:style>
+          <a:lnRef idx="2">
+            <a:schemeClr val="accent1">
+              <a:shade val="50000"/>
+            </a:schemeClr>
+          </a:lnRef>
+          <a:fillRef idx="1">
+            <a:schemeClr val="accent1"/>
+          </a:fillRef>
+          <a:effectRef idx="0">
+            <a:schemeClr val="accent1"/>
+          </a:effectRef>
+          <a:fontRef idx="minor">
+            <a:schemeClr val="lt1"/>
+          </a:fontRef>
+        </p:style>
+        <p:txBody>
+          <a:bodyPr rtlCol="0" anchor="ctr"/>
+          <a:lstStyle/>
+          <a:p>
+            <a:pPr algn="ctr"/>
+            <a:r>
+              <a:rPr lang="en-US" altLang="ko-KR" sz="3600" dirty="0" err="1"/>
+              <a:t>libesedb</a:t>
+            </a:r>
+            <a:r>
+              <a:rPr lang="en-US" altLang="ko-KR" sz="3600" dirty="0"/>
+              <a:t>-python </a:t>
+            </a:r>
+            <a:r>
+              <a:rPr lang="ko-KR" altLang="en-US" sz="3600" dirty="0"/>
+              <a:t>모듈 설치 안될 시</a:t>
+            </a:r>
+          </a:p>
+        </p:txBody>
+      </p:sp>
     </p:spTree>
     <p:extLst>
       <p:ext uri="{BB962C8B-B14F-4D97-AF65-F5344CB8AC3E}">
-        <p14:creationId xmlns:p14="http://schemas.microsoft.com/office/powerpoint/2010/main" val="3557579403"/>
+        <p14:creationId xmlns:p14="http://schemas.microsoft.com/office/powerpoint/2010/main" val="2737249687"/>
+      </p:ext>
+    </p:extLst>
+  </p:cSld>
+  <p:clrMapOvr>
+    <a:masterClrMapping/>
+  </p:clrMapOvr>
+</p:sld>
+</file>
+
+<file path=ppt/slides/slide18.xml><?xml version="1.0" encoding="utf-8"?>
+<p:sld xmlns:a="http://schemas.openxmlformats.org/drawingml/2006/main" xmlns:r="http://schemas.openxmlformats.org/officeDocument/2006/relationships" xmlns:p="http://schemas.openxmlformats.org/presentationml/2006/main">
+  <p:cSld>
+    <p:spTree>
+      <p:nvGrpSpPr>
+        <p:cNvPr id="1" name=""/>
+        <p:cNvGrpSpPr/>
+        <p:nvPr/>
+      </p:nvGrpSpPr>
+      <p:grpSpPr>
+        <a:xfrm>
+          <a:off x="0" y="0"/>
+          <a:ext cx="0" cy="0"/>
+          <a:chOff x="0" y="0"/>
+          <a:chExt cx="0" cy="0"/>
+        </a:xfrm>
+      </p:grpSpPr>
+      <p:sp>
+        <p:nvSpPr>
+          <p:cNvPr id="2" name="TextBox 1">
+            <a:extLst>
+              <a:ext uri="{FF2B5EF4-FFF2-40B4-BE49-F238E27FC236}">
+                <a16:creationId xmlns:a16="http://schemas.microsoft.com/office/drawing/2014/main" id="{EDEE7326-C315-435E-A4DE-EDDDEFFA3241}"/>
+              </a:ext>
+            </a:extLst>
+          </p:cNvPr>
+          <p:cNvSpPr txBox="1"/>
+          <p:nvPr/>
+        </p:nvSpPr>
+        <p:spPr>
+          <a:xfrm>
+            <a:off x="229001" y="794742"/>
+            <a:ext cx="7358716" cy="923330"/>
+          </a:xfrm>
+          <a:prstGeom prst="rect">
+            <a:avLst/>
+          </a:prstGeom>
+          <a:noFill/>
+          <a:ln w="12700">
+            <a:solidFill>
+              <a:schemeClr val="tx1"/>
+            </a:solidFill>
+          </a:ln>
+        </p:spPr>
+        <p:txBody>
+          <a:bodyPr wrap="square" rtlCol="0">
+            <a:spAutoFit/>
+          </a:bodyPr>
+          <a:lstStyle/>
+          <a:p>
+            <a:pPr marL="342900" indent="-342900">
+              <a:buAutoNum type="arabicPeriod"/>
+            </a:pPr>
+            <a:r>
+              <a:rPr lang="en-US" altLang="ko-KR" dirty="0">
+                <a:hlinkClick r:id="rId2"/>
+              </a:rPr>
+              <a:t>https://visualstudio.microsoft.com/ko/vs/older-downloads</a:t>
+            </a:r>
+            <a:r>
+              <a:rPr lang="en-US" altLang="ko-KR" dirty="0"/>
+              <a:t> </a:t>
+            </a:r>
+          </a:p>
+          <a:p>
+            <a:pPr marL="342900" indent="-342900">
+              <a:buAutoNum type="arabicPeriod"/>
+            </a:pPr>
+            <a:r>
+              <a:rPr lang="ko-KR" altLang="en-US" dirty="0"/>
+              <a:t>맨 아래 있는 </a:t>
+            </a:r>
+            <a:r>
+              <a:rPr lang="en-US" altLang="ko-KR" dirty="0"/>
+              <a:t>‘</a:t>
+            </a:r>
+            <a:r>
+              <a:rPr lang="ko-KR" altLang="en-US" dirty="0" err="1"/>
+              <a:t>재배포</a:t>
+            </a:r>
+            <a:r>
+              <a:rPr lang="ko-KR" altLang="en-US" dirty="0"/>
+              <a:t> 가능 패키지 및 빌드 도구</a:t>
+            </a:r>
+            <a:r>
+              <a:rPr lang="en-US" altLang="ko-KR" dirty="0"/>
+              <a:t>’</a:t>
+            </a:r>
+            <a:r>
+              <a:rPr lang="ko-KR" altLang="en-US" dirty="0"/>
+              <a:t> 클릭</a:t>
+            </a:r>
+            <a:endParaRPr lang="en-US" altLang="ko-KR" dirty="0"/>
+          </a:p>
+          <a:p>
+            <a:pPr marL="342900" indent="-342900">
+              <a:buAutoNum type="arabicPeriod"/>
+            </a:pPr>
+            <a:endParaRPr lang="en-US" altLang="ko-KR" dirty="0"/>
+          </a:p>
+        </p:txBody>
+      </p:sp>
+      <p:pic>
+        <p:nvPicPr>
+          <p:cNvPr id="3" name="그림 2">
+            <a:extLst>
+              <a:ext uri="{FF2B5EF4-FFF2-40B4-BE49-F238E27FC236}">
+                <a16:creationId xmlns:a16="http://schemas.microsoft.com/office/drawing/2014/main" id="{3C0D1E2D-96C7-41A9-89FE-C69A2EF63AC0}"/>
+              </a:ext>
+            </a:extLst>
+          </p:cNvPr>
+          <p:cNvPicPr>
+            <a:picLocks noChangeAspect="1"/>
+          </p:cNvPicPr>
+          <p:nvPr/>
+        </p:nvPicPr>
+        <p:blipFill>
+          <a:blip r:embed="rId3"/>
+          <a:stretch>
+            <a:fillRect/>
+          </a:stretch>
+        </p:blipFill>
+        <p:spPr>
+          <a:xfrm>
+            <a:off x="408743" y="2310968"/>
+            <a:ext cx="8001000" cy="1028700"/>
+          </a:xfrm>
+          <a:prstGeom prst="rect">
+            <a:avLst/>
+          </a:prstGeom>
+        </p:spPr>
+      </p:pic>
+      <p:sp>
+        <p:nvSpPr>
+          <p:cNvPr id="4" name="아래쪽 화살표 3">
+            <a:extLst>
+              <a:ext uri="{FF2B5EF4-FFF2-40B4-BE49-F238E27FC236}">
+                <a16:creationId xmlns:a16="http://schemas.microsoft.com/office/drawing/2014/main" id="{F022DE07-7D67-4125-B597-F836118077D6}"/>
+              </a:ext>
+            </a:extLst>
+          </p:cNvPr>
+          <p:cNvSpPr/>
+          <p:nvPr/>
+        </p:nvSpPr>
+        <p:spPr>
+          <a:xfrm>
+            <a:off x="3489747" y="1813747"/>
+            <a:ext cx="837224" cy="401546"/>
+          </a:xfrm>
+          <a:prstGeom prst="downArrow">
+            <a:avLst/>
+          </a:prstGeom>
+        </p:spPr>
+        <p:style>
+          <a:lnRef idx="2">
+            <a:schemeClr val="accent1">
+              <a:shade val="50000"/>
+            </a:schemeClr>
+          </a:lnRef>
+          <a:fillRef idx="1">
+            <a:schemeClr val="accent1"/>
+          </a:fillRef>
+          <a:effectRef idx="0">
+            <a:schemeClr val="accent1"/>
+          </a:effectRef>
+          <a:fontRef idx="minor">
+            <a:schemeClr val="lt1"/>
+          </a:fontRef>
+        </p:style>
+        <p:txBody>
+          <a:bodyPr rtlCol="0" anchor="ctr"/>
+          <a:lstStyle/>
+          <a:p>
+            <a:pPr algn="ctr"/>
+            <a:endParaRPr lang="ko-KR" altLang="en-US"/>
+          </a:p>
+        </p:txBody>
+      </p:sp>
+      <p:sp>
+        <p:nvSpPr>
+          <p:cNvPr id="5" name="TextBox 4">
+            <a:extLst>
+              <a:ext uri="{FF2B5EF4-FFF2-40B4-BE49-F238E27FC236}">
+                <a16:creationId xmlns:a16="http://schemas.microsoft.com/office/drawing/2014/main" id="{0AE5BD58-ED67-47F1-A023-820696F3EED6}"/>
+              </a:ext>
+            </a:extLst>
+          </p:cNvPr>
+          <p:cNvSpPr txBox="1"/>
+          <p:nvPr/>
+        </p:nvSpPr>
+        <p:spPr>
+          <a:xfrm>
+            <a:off x="647613" y="3610443"/>
+            <a:ext cx="7358716" cy="646331"/>
+          </a:xfrm>
+          <a:prstGeom prst="rect">
+            <a:avLst/>
+          </a:prstGeom>
+          <a:noFill/>
+          <a:ln w="12700">
+            <a:solidFill>
+              <a:schemeClr val="tx1"/>
+            </a:solidFill>
+          </a:ln>
+        </p:spPr>
+        <p:txBody>
+          <a:bodyPr wrap="square" rtlCol="0">
+            <a:spAutoFit/>
+          </a:bodyPr>
+          <a:lstStyle/>
+          <a:p>
+            <a:r>
+              <a:rPr lang="en-US" altLang="ko-KR" dirty="0"/>
+              <a:t>3. </a:t>
+            </a:r>
+            <a:r>
+              <a:rPr lang="ko-KR" altLang="en-US" dirty="0"/>
+              <a:t>저거 다운로드 하고 파이참에서 다시 </a:t>
+            </a:r>
+            <a:r>
+              <a:rPr lang="en-US" altLang="ko-KR" dirty="0" err="1"/>
+              <a:t>libesedb</a:t>
+            </a:r>
+            <a:r>
+              <a:rPr lang="en-US" altLang="ko-KR" dirty="0"/>
+              <a:t>-python </a:t>
+            </a:r>
+            <a:r>
+              <a:rPr lang="ko-KR" altLang="en-US" dirty="0"/>
+              <a:t>모듈 설치</a:t>
+            </a:r>
+            <a:endParaRPr lang="en-US" altLang="ko-KR" dirty="0"/>
+          </a:p>
+          <a:p>
+            <a:pPr marL="342900" indent="-342900">
+              <a:buAutoNum type="arabicPeriod"/>
+            </a:pPr>
+            <a:endParaRPr lang="en-US" altLang="ko-KR" dirty="0"/>
+          </a:p>
+        </p:txBody>
+      </p:sp>
+    </p:spTree>
+    <p:extLst>
+      <p:ext uri="{BB962C8B-B14F-4D97-AF65-F5344CB8AC3E}">
+        <p14:creationId xmlns:p14="http://schemas.microsoft.com/office/powerpoint/2010/main" val="1330947852"/>
       </p:ext>
     </p:extLst>
   </p:cSld>
@@ -8743,18 +8967,17 @@
           <a:p>
             <a:pPr algn="ctr"/>
             <a:r>
-              <a:rPr lang="en-US" altLang="ko-KR" sz="3600" err="1" smtClean="0"/>
+              <a:rPr lang="en-US" altLang="ko-KR" sz="3600" err="1"/>
               <a:t>Git</a:t>
             </a:r>
             <a:r>
-              <a:rPr lang="en-US" altLang="ko-KR" sz="3600" dirty="0" smtClean="0"/>
+              <a:rPr lang="en-US" altLang="ko-KR" sz="3600" dirty="0"/>
               <a:t> </a:t>
             </a:r>
             <a:r>
-              <a:rPr lang="ko-KR" altLang="en-US" sz="3600" dirty="0" smtClean="0"/>
+              <a:rPr lang="ko-KR" altLang="en-US" sz="3600" dirty="0"/>
               <a:t>사용법</a:t>
             </a:r>
-            <a:endParaRPr lang="ko-KR" altLang="en-US" sz="3600" dirty="0"/>
           </a:p>
         </p:txBody>
       </p:sp>

--- a/연습하세요.pptx
+++ b/연습하세요.pptx
@@ -225,7 +225,7 @@
           <a:p>
             <a:fld id="{D8A1A4A6-C8E2-4F8B-9339-9BE5FA6585F4}" type="datetimeFigureOut">
               <a:rPr lang="ko-KR" altLang="en-US" smtClean="0"/>
-              <a:t>2019-07-16</a:t>
+              <a:t>2019-09-03</a:t>
             </a:fld>
             <a:endParaRPr lang="ko-KR" altLang="en-US"/>
           </a:p>
@@ -743,7 +743,7 @@
           <a:p>
             <a:fld id="{C348226F-32E0-414B-922A-FDEA2ED696BD}" type="datetimeFigureOut">
               <a:rPr lang="ko-KR" altLang="en-US" smtClean="0"/>
-              <a:t>2019-07-16</a:t>
+              <a:t>2019-09-03</a:t>
             </a:fld>
             <a:endParaRPr lang="ko-KR" altLang="en-US"/>
           </a:p>
@@ -941,7 +941,7 @@
           <a:p>
             <a:fld id="{C348226F-32E0-414B-922A-FDEA2ED696BD}" type="datetimeFigureOut">
               <a:rPr lang="ko-KR" altLang="en-US" smtClean="0"/>
-              <a:t>2019-07-16</a:t>
+              <a:t>2019-09-03</a:t>
             </a:fld>
             <a:endParaRPr lang="ko-KR" altLang="en-US"/>
           </a:p>
@@ -1149,7 +1149,7 @@
           <a:p>
             <a:fld id="{C348226F-32E0-414B-922A-FDEA2ED696BD}" type="datetimeFigureOut">
               <a:rPr lang="ko-KR" altLang="en-US" smtClean="0"/>
-              <a:t>2019-07-16</a:t>
+              <a:t>2019-09-03</a:t>
             </a:fld>
             <a:endParaRPr lang="ko-KR" altLang="en-US"/>
           </a:p>
@@ -1347,7 +1347,7 @@
           <a:p>
             <a:fld id="{C348226F-32E0-414B-922A-FDEA2ED696BD}" type="datetimeFigureOut">
               <a:rPr lang="ko-KR" altLang="en-US" smtClean="0"/>
-              <a:t>2019-07-16</a:t>
+              <a:t>2019-09-03</a:t>
             </a:fld>
             <a:endParaRPr lang="ko-KR" altLang="en-US"/>
           </a:p>
@@ -1622,7 +1622,7 @@
           <a:p>
             <a:fld id="{C348226F-32E0-414B-922A-FDEA2ED696BD}" type="datetimeFigureOut">
               <a:rPr lang="ko-KR" altLang="en-US" smtClean="0"/>
-              <a:t>2019-07-16</a:t>
+              <a:t>2019-09-03</a:t>
             </a:fld>
             <a:endParaRPr lang="ko-KR" altLang="en-US"/>
           </a:p>
@@ -1887,7 +1887,7 @@
           <a:p>
             <a:fld id="{C348226F-32E0-414B-922A-FDEA2ED696BD}" type="datetimeFigureOut">
               <a:rPr lang="ko-KR" altLang="en-US" smtClean="0"/>
-              <a:t>2019-07-16</a:t>
+              <a:t>2019-09-03</a:t>
             </a:fld>
             <a:endParaRPr lang="ko-KR" altLang="en-US"/>
           </a:p>
@@ -2299,7 +2299,7 @@
           <a:p>
             <a:fld id="{C348226F-32E0-414B-922A-FDEA2ED696BD}" type="datetimeFigureOut">
               <a:rPr lang="ko-KR" altLang="en-US" smtClean="0"/>
-              <a:t>2019-07-16</a:t>
+              <a:t>2019-09-03</a:t>
             </a:fld>
             <a:endParaRPr lang="ko-KR" altLang="en-US"/>
           </a:p>
@@ -2440,7 +2440,7 @@
           <a:p>
             <a:fld id="{C348226F-32E0-414B-922A-FDEA2ED696BD}" type="datetimeFigureOut">
               <a:rPr lang="ko-KR" altLang="en-US" smtClean="0"/>
-              <a:t>2019-07-16</a:t>
+              <a:t>2019-09-03</a:t>
             </a:fld>
             <a:endParaRPr lang="ko-KR" altLang="en-US"/>
           </a:p>
@@ -2553,7 +2553,7 @@
           <a:p>
             <a:fld id="{C348226F-32E0-414B-922A-FDEA2ED696BD}" type="datetimeFigureOut">
               <a:rPr lang="ko-KR" altLang="en-US" smtClean="0"/>
-              <a:t>2019-07-16</a:t>
+              <a:t>2019-09-03</a:t>
             </a:fld>
             <a:endParaRPr lang="ko-KR" altLang="en-US"/>
           </a:p>
@@ -2864,7 +2864,7 @@
           <a:p>
             <a:fld id="{C348226F-32E0-414B-922A-FDEA2ED696BD}" type="datetimeFigureOut">
               <a:rPr lang="ko-KR" altLang="en-US" smtClean="0"/>
-              <a:t>2019-07-16</a:t>
+              <a:t>2019-09-03</a:t>
             </a:fld>
             <a:endParaRPr lang="ko-KR" altLang="en-US"/>
           </a:p>
@@ -3152,7 +3152,7 @@
           <a:p>
             <a:fld id="{C348226F-32E0-414B-922A-FDEA2ED696BD}" type="datetimeFigureOut">
               <a:rPr lang="ko-KR" altLang="en-US" smtClean="0"/>
-              <a:t>2019-07-16</a:t>
+              <a:t>2019-09-03</a:t>
             </a:fld>
             <a:endParaRPr lang="ko-KR" altLang="en-US"/>
           </a:p>
@@ -3393,7 +3393,7 @@
           <a:p>
             <a:fld id="{C348226F-32E0-414B-922A-FDEA2ED696BD}" type="datetimeFigureOut">
               <a:rPr lang="ko-KR" altLang="en-US" smtClean="0"/>
-              <a:t>2019-07-16</a:t>
+              <a:t>2019-09-03</a:t>
             </a:fld>
             <a:endParaRPr lang="ko-KR" altLang="en-US"/>
           </a:p>
@@ -5406,6 +5406,10 @@
               </a:rPr>
               <a:t>설치 과정</a:t>
             </a:r>
+            <a:r>
+              <a:rPr lang="ko-KR" altLang="en-US" dirty="0"/>
+              <a:t/>
+            </a:r>
             <a:br>
               <a:rPr lang="ko-KR" altLang="en-US" dirty="0"/>
             </a:br>
@@ -5427,6 +5431,10 @@
               </a:rPr>
               <a:t>를 관리자권한으로 실행</a:t>
             </a:r>
+            <a:r>
+              <a:rPr lang="ko-KR" altLang="en-US" dirty="0"/>
+              <a:t/>
+            </a:r>
             <a:br>
               <a:rPr lang="ko-KR" altLang="en-US" dirty="0"/>
             </a:br>
@@ -5439,6 +5447,10 @@
               </a:rPr>
               <a:t>2.pip install pyqt5</a:t>
             </a:r>
+            <a:r>
+              <a:rPr lang="ko-KR" altLang="en-US" dirty="0"/>
+              <a:t/>
+            </a:r>
             <a:br>
               <a:rPr lang="ko-KR" altLang="en-US" dirty="0"/>
             </a:br>
@@ -5478,6 +5490,10 @@
               </a:rPr>
               <a:t>.</a:t>
             </a:r>
+            <a:r>
+              <a:rPr lang="ko-KR" altLang="en-US" dirty="0"/>
+              <a:t/>
+            </a:r>
             <a:br>
               <a:rPr lang="ko-KR" altLang="en-US" dirty="0"/>
             </a:br>
@@ -5490,6 +5506,10 @@
               </a:rPr>
               <a:t>3.pip install pyqt5-tools</a:t>
             </a:r>
+            <a:r>
+              <a:rPr lang="ko-KR" altLang="en-US" dirty="0"/>
+              <a:t/>
+            </a:r>
             <a:br>
               <a:rPr lang="ko-KR" altLang="en-US" dirty="0"/>
             </a:br>
@@ -5547,9 +5567,17 @@
               </a:rPr>
               <a:t>.</a:t>
             </a:r>
+            <a:r>
+              <a:rPr lang="ko-KR" altLang="en-US" dirty="0"/>
+              <a:t/>
+            </a:r>
             <a:br>
               <a:rPr lang="ko-KR" altLang="en-US" dirty="0"/>
             </a:br>
+            <a:r>
+              <a:rPr lang="ko-KR" altLang="en-US" dirty="0"/>
+              <a:t/>
+            </a:r>
             <a:br>
               <a:rPr lang="ko-KR" altLang="en-US" dirty="0"/>
             </a:br>
@@ -5589,6 +5617,10 @@
               </a:rPr>
               <a:t>설치 확인</a:t>
             </a:r>
+            <a:r>
+              <a:rPr lang="ko-KR" altLang="en-US" dirty="0"/>
+              <a:t/>
+            </a:r>
             <a:br>
               <a:rPr lang="ko-KR" altLang="en-US" dirty="0"/>
             </a:br>
@@ -5654,6 +5686,10 @@
                 <a:latin typeface="NanumGothic"/>
               </a:rPr>
               <a:t>.</a:t>
+            </a:r>
+            <a:r>
+              <a:rPr lang="ko-KR" altLang="en-US" dirty="0"/>
+              <a:t/>
             </a:r>
             <a:br>
               <a:rPr lang="ko-KR" altLang="en-US" dirty="0"/>
